--- a/Thesis Final Defence.pptx
+++ b/Thesis Final Defence.pptx
@@ -7635,14 +7635,13 @@
             </a:r>
           </a:p>
           <a:p>
-            <a:pPr marL="0" marR="0" lvl="0" indent="0" algn="l">
+            <a:pPr>
               <a:spcBef>
                 <a:spcPct val="0"/>
               </a:spcBef>
               <a:spcAft>
                 <a:spcPct val="0"/>
               </a:spcAft>
-              <a:buNone/>
               <a:defRPr/>
             </a:pPr>
             <a:r>
@@ -7657,59 +7656,94 @@
               <a:t>1. </a:t>
             </a:r>
             <a:r>
-              <a:rPr lang="en-US" sz="1800" b="0" i="0" u="none" strike="noStrike" dirty="0">
+              <a:rPr lang="en-US" sz="1800" b="0" i="0" kern="1200" dirty="0">
                 <a:solidFill>
                   <a:srgbClr val="000000"/>
                 </a:solidFill>
                 <a:effectLst/>
                 <a:latin typeface="Times New Roman" panose="02020603050405020304" pitchFamily="18" charset="0"/>
+                <a:ea typeface="Calibri" panose="020F0502020204030204" pitchFamily="34" charset="0"/>
                 <a:cs typeface="Times New Roman" panose="02020603050405020304" pitchFamily="18" charset="0"/>
               </a:rPr>
-              <a:t>Rabeya Amin Jhuma </a:t>
-            </a:r>
-            <a:r>
-              <a:rPr lang="en-US" sz="1800" b="0" i="0" strike="noStrike" cap="none" spc="0" dirty="0">
-                <a:solidFill>
-                  <a:schemeClr val="dk1"/>
-                </a:solidFill>
+              <a:t>Mostafa </a:t>
+            </a:r>
+            <a:r>
+              <a:rPr lang="en-US" sz="1800" b="0" i="0" kern="1200" dirty="0" err="1">
+                <a:solidFill>
+                  <a:srgbClr val="000000"/>
+                </a:solidFill>
+                <a:effectLst/>
                 <a:latin typeface="Times New Roman" panose="02020603050405020304" pitchFamily="18" charset="0"/>
-                <a:ea typeface="Times New Roman" panose="02020603050405020304"/>
+                <a:ea typeface="Calibri" panose="020F0502020204030204" pitchFamily="34" charset="0"/>
+                <a:cs typeface="Times New Roman" panose="02020603050405020304" pitchFamily="18" charset="0"/>
+              </a:rPr>
+              <a:t>Mohaimen</a:t>
+            </a:r>
+            <a:r>
+              <a:rPr lang="en-US" sz="1800" b="0" i="0" kern="1200" dirty="0">
+                <a:solidFill>
+                  <a:srgbClr val="000000"/>
+                </a:solidFill>
+                <a:effectLst/>
+                <a:latin typeface="Times New Roman" panose="02020603050405020304" pitchFamily="18" charset="0"/>
+                <a:ea typeface="Calibri" panose="020F0502020204030204" pitchFamily="34" charset="0"/>
+                <a:cs typeface="Times New Roman" panose="02020603050405020304" pitchFamily="18" charset="0"/>
+              </a:rPr>
+              <a:t> Akand Faisal </a:t>
+            </a:r>
+            <a:r>
+              <a:rPr lang="en-US" sz="1800" b="0" i="0" kern="1200" dirty="0">
+                <a:solidFill>
+                  <a:srgbClr val="000000"/>
+                </a:solidFill>
+                <a:effectLst/>
+                <a:latin typeface="Times New Roman" panose="02020603050405020304" pitchFamily="18" charset="0"/>
+                <a:ea typeface="Times New Roman" panose="02020603050405020304" pitchFamily="18" charset="0"/>
                 <a:cs typeface="Times New Roman" panose="02020603050405020304" pitchFamily="18" charset="0"/>
               </a:rPr>
               <a:t>(</a:t>
             </a:r>
             <a:r>
-              <a:rPr lang="en-US" sz="1800" b="0" i="0" u="none" strike="noStrike" dirty="0">
+              <a:rPr lang="en-US" sz="1800" b="0" i="0" kern="1200" dirty="0">
                 <a:solidFill>
                   <a:srgbClr val="000000"/>
                 </a:solidFill>
                 <a:effectLst/>
                 <a:latin typeface="Times New Roman" panose="02020603050405020304" pitchFamily="18" charset="0"/>
+                <a:ea typeface="Calibri" panose="020F0502020204030204" pitchFamily="34" charset="0"/>
                 <a:cs typeface="Times New Roman" panose="02020603050405020304" pitchFamily="18" charset="0"/>
               </a:rPr>
-              <a:t>2014755028</a:t>
-            </a:r>
-            <a:r>
-              <a:rPr lang="en-US" sz="1800" b="0" i="0" strike="noStrike" cap="none" spc="0" dirty="0">
-                <a:solidFill>
-                  <a:schemeClr val="dk1"/>
-                </a:solidFill>
+              <a:t>2014755010</a:t>
+            </a:r>
+            <a:r>
+              <a:rPr lang="en-US" sz="1800" b="0" i="0" kern="1200" dirty="0">
+                <a:solidFill>
+                  <a:srgbClr val="000000"/>
+                </a:solidFill>
+                <a:effectLst/>
                 <a:latin typeface="Times New Roman" panose="02020603050405020304" pitchFamily="18" charset="0"/>
-                <a:ea typeface="Times New Roman" panose="02020603050405020304"/>
+                <a:ea typeface="Times New Roman" panose="02020603050405020304" pitchFamily="18" charset="0"/>
                 <a:cs typeface="Times New Roman" panose="02020603050405020304" pitchFamily="18" charset="0"/>
               </a:rPr>
               <a:t>)</a:t>
             </a:r>
-          </a:p>
-          <a:p>
-            <a:pPr marL="0" marR="0" lvl="0" indent="0" algn="l">
+            <a:endParaRPr lang="en-US" sz="1800" b="0" i="0" strike="noStrike" cap="none" spc="0" dirty="0">
+              <a:solidFill>
+                <a:schemeClr val="dk1"/>
+              </a:solidFill>
+              <a:latin typeface="Times New Roman" panose="02020603050405020304" pitchFamily="18" charset="0"/>
+              <a:ea typeface="Times New Roman" panose="02020603050405020304"/>
+              <a:cs typeface="Times New Roman" panose="02020603050405020304" pitchFamily="18" charset="0"/>
+            </a:endParaRPr>
+          </a:p>
+          <a:p>
+            <a:pPr>
               <a:spcBef>
                 <a:spcPct val="0"/>
               </a:spcBef>
               <a:spcAft>
                 <a:spcPct val="0"/>
               </a:spcAft>
-              <a:buNone/>
               <a:defRPr/>
             </a:pPr>
             <a:r>
@@ -7724,7 +7758,7 @@
               <a:t>2. </a:t>
             </a:r>
             <a:r>
-              <a:rPr lang="en-US" sz="1800" b="0" i="0" u="none" strike="noStrike" dirty="0">
+              <a:rPr lang="en-US" sz="1800" b="0" i="0" u="none" strike="noStrike" dirty="0" err="1">
                 <a:solidFill>
                   <a:srgbClr val="000000"/>
                 </a:solidFill>
@@ -7732,10 +7766,21 @@
                 <a:latin typeface="Times New Roman" panose="02020603050405020304" pitchFamily="18" charset="0"/>
                 <a:cs typeface="Times New Roman" panose="02020603050405020304" pitchFamily="18" charset="0"/>
               </a:rPr>
-              <a:t>Mostafa Mohaimen Akand Faisal </a:t>
-            </a:r>
-            <a:r>
-              <a:rPr lang="en-US" sz="1800" b="0" i="0" strike="noStrike" cap="none" dirty="0">
+              <a:t>Rabeya</a:t>
+            </a:r>
+            <a:r>
+              <a:rPr lang="en-US" sz="1800" b="0" i="0" u="none" strike="noStrike" dirty="0">
+                <a:solidFill>
+                  <a:srgbClr val="000000"/>
+                </a:solidFill>
+                <a:effectLst/>
+                <a:latin typeface="Times New Roman" panose="02020603050405020304" pitchFamily="18" charset="0"/>
+                <a:cs typeface="Times New Roman" panose="02020603050405020304" pitchFamily="18" charset="0"/>
+              </a:rPr>
+              <a:t> Amin Jhuma </a:t>
+            </a:r>
+            <a:r>
+              <a:rPr lang="en-US" sz="1800" b="0" i="0" strike="noStrike" cap="none" spc="0" dirty="0">
                 <a:solidFill>
                   <a:schemeClr val="dk1"/>
                 </a:solidFill>
@@ -7754,10 +7799,10 @@
                 <a:latin typeface="Times New Roman" panose="02020603050405020304" pitchFamily="18" charset="0"/>
                 <a:cs typeface="Times New Roman" panose="02020603050405020304" pitchFamily="18" charset="0"/>
               </a:rPr>
-              <a:t>2014755010</a:t>
-            </a:r>
-            <a:r>
-              <a:rPr lang="en-US" sz="1800" b="0" i="0" strike="noStrike" cap="none" dirty="0">
+              <a:t>2014755028</a:t>
+            </a:r>
+            <a:r>
+              <a:rPr lang="en-US" sz="1800" b="0" i="0" strike="noStrike" cap="none" spc="0" dirty="0">
                 <a:solidFill>
                   <a:schemeClr val="dk1"/>
                 </a:solidFill>
